--- a/presentations/source/07a-Microservices.pptx
+++ b/presentations/source/07a-Microservices.pptx
@@ -5,7 +5,7 @@
     <p:sldMasterId id="2147483648" r:id="rId1"/>
   </p:sldMasterIdLst>
   <p:notesMasterIdLst>
-    <p:notesMasterId r:id="rId15"/>
+    <p:notesMasterId r:id="rId17"/>
   </p:notesMasterIdLst>
   <p:sldIdLst>
     <p:sldId id="256" r:id="rId2"/>
@@ -17,10 +17,12 @@
     <p:sldId id="262" r:id="rId8"/>
     <p:sldId id="263" r:id="rId9"/>
     <p:sldId id="264" r:id="rId10"/>
-    <p:sldId id="265" r:id="rId11"/>
-    <p:sldId id="266" r:id="rId12"/>
-    <p:sldId id="267" r:id="rId13"/>
-    <p:sldId id="268" r:id="rId14"/>
+    <p:sldId id="269" r:id="rId11"/>
+    <p:sldId id="270" r:id="rId12"/>
+    <p:sldId id="265" r:id="rId13"/>
+    <p:sldId id="266" r:id="rId14"/>
+    <p:sldId id="267" r:id="rId15"/>
+    <p:sldId id="268" r:id="rId16"/>
   </p:sldIdLst>
   <p:sldSz cx="9144000" cy="6858000" type="screen4x3"/>
   <p:notesSz cx="6858000" cy="9144000"/>
@@ -209,7 +211,7 @@
             <a:fld id="{7307762F-A706-E543-A832-3C298AA3103F}" type="datetimeFigureOut">
               <a:rPr lang="en-US" smtClean="0"/>
               <a:pPr/>
-              <a:t>11/21/14</a:t>
+              <a:t>08/09/15</a:t>
             </a:fld>
             <a:endParaRPr lang="en-US" dirty="0"/>
           </a:p>
@@ -776,7 +778,7 @@
           <a:p>
             <a:fld id="{875CF0EB-321F-0749-B37A-89BBA859503C}" type="datetimeFigureOut">
               <a:rPr lang="en-US" smtClean="0"/>
-              <a:t>11/21/14</a:t>
+              <a:t>08/09/15</a:t>
             </a:fld>
             <a:endParaRPr lang="en-US"/>
           </a:p>
@@ -980,7 +982,7 @@
           <a:p>
             <a:fld id="{875CF0EB-321F-0749-B37A-89BBA859503C}" type="datetimeFigureOut">
               <a:rPr lang="en-US" smtClean="0"/>
-              <a:t>11/21/14</a:t>
+              <a:t>08/09/15</a:t>
             </a:fld>
             <a:endParaRPr lang="en-US"/>
           </a:p>
@@ -1174,7 +1176,7 @@
           <a:p>
             <a:fld id="{875CF0EB-321F-0749-B37A-89BBA859503C}" type="datetimeFigureOut">
               <a:rPr lang="en-US" smtClean="0"/>
-              <a:t>11/21/14</a:t>
+              <a:t>08/09/15</a:t>
             </a:fld>
             <a:endParaRPr lang="en-US"/>
           </a:p>
@@ -1444,7 +1446,7 @@
           <a:p>
             <a:fld id="{875CF0EB-321F-0749-B37A-89BBA859503C}" type="datetimeFigureOut">
               <a:rPr lang="en-US" smtClean="0"/>
-              <a:t>11/21/14</a:t>
+              <a:t>08/09/15</a:t>
             </a:fld>
             <a:endParaRPr lang="en-US"/>
           </a:p>
@@ -1756,7 +1758,7 @@
           <a:p>
             <a:fld id="{875CF0EB-321F-0749-B37A-89BBA859503C}" type="datetimeFigureOut">
               <a:rPr lang="en-US" smtClean="0"/>
-              <a:t>11/21/14</a:t>
+              <a:t>08/09/15</a:t>
             </a:fld>
             <a:endParaRPr lang="en-US"/>
           </a:p>
@@ -2202,7 +2204,7 @@
           <a:p>
             <a:fld id="{875CF0EB-321F-0749-B37A-89BBA859503C}" type="datetimeFigureOut">
               <a:rPr lang="en-US" smtClean="0"/>
-              <a:t>11/21/14</a:t>
+              <a:t>08/09/15</a:t>
             </a:fld>
             <a:endParaRPr lang="en-US"/>
           </a:p>
@@ -2344,7 +2346,7 @@
           <a:p>
             <a:fld id="{875CF0EB-321F-0749-B37A-89BBA859503C}" type="datetimeFigureOut">
               <a:rPr lang="en-US" smtClean="0"/>
-              <a:t>11/21/14</a:t>
+              <a:t>08/09/15</a:t>
             </a:fld>
             <a:endParaRPr lang="en-US"/>
           </a:p>
@@ -2463,7 +2465,7 @@
           <a:p>
             <a:fld id="{875CF0EB-321F-0749-B37A-89BBA859503C}" type="datetimeFigureOut">
               <a:rPr lang="en-US" smtClean="0"/>
-              <a:t>11/21/14</a:t>
+              <a:t>08/09/15</a:t>
             </a:fld>
             <a:endParaRPr lang="en-US"/>
           </a:p>
@@ -2764,7 +2766,7 @@
           <a:p>
             <a:fld id="{875CF0EB-321F-0749-B37A-89BBA859503C}" type="datetimeFigureOut">
               <a:rPr lang="en-US" smtClean="0"/>
-              <a:t>11/21/14</a:t>
+              <a:t>08/09/15</a:t>
             </a:fld>
             <a:endParaRPr lang="en-US"/>
           </a:p>
@@ -3041,7 +3043,7 @@
           <a:p>
             <a:fld id="{875CF0EB-321F-0749-B37A-89BBA859503C}" type="datetimeFigureOut">
               <a:rPr lang="en-US" smtClean="0"/>
-              <a:t>11/21/14</a:t>
+              <a:t>08/09/15</a:t>
             </a:fld>
             <a:endParaRPr lang="en-US"/>
           </a:p>
@@ -3894,18 +3896,11 @@
           </a:p>
           <a:p>
             <a:r>
-              <a:rPr lang="en-US">
+              <a:rPr lang="en-US" dirty="0" smtClean="0">
                 <a:ea typeface="ヒラギノ角ゴ ProN W3" charset="0"/>
                 <a:cs typeface="ヒラギノ角ゴ ProN W3" charset="0"/>
               </a:rPr>
-              <a:t>Dec </a:t>
-            </a:r>
-            <a:r>
-              <a:rPr lang="en-US" smtClean="0">
-                <a:ea typeface="ヒラギノ角ゴ ProN W3" charset="0"/>
-                <a:cs typeface="ヒラギノ角ゴ ProN W3" charset="0"/>
-              </a:rPr>
-              <a:t>2014</a:t>
+              <a:t>Sep 2015</a:t>
             </a:r>
             <a:endParaRPr lang="en-US" dirty="0">
               <a:ea typeface="ヒラギノ角ゴ ProN W3" charset="0"/>
@@ -3967,72 +3962,72 @@
           <a:p>
             <a:r>
               <a:rPr lang="en-US" dirty="0" smtClean="0"/>
-              <a:t>Cons!</a:t>
+              <a:t>Start with a Monolith?</a:t>
             </a:r>
             <a:endParaRPr lang="en-US" dirty="0"/>
           </a:p>
         </p:txBody>
       </p:sp>
-      <p:sp>
-        <p:nvSpPr>
-          <p:cNvPr id="3" name="Content Placeholder 2"/>
-          <p:cNvSpPr>
-            <a:spLocks noGrp="1"/>
-          </p:cNvSpPr>
-          <p:nvPr>
-            <p:ph idx="1"/>
-          </p:nvPr>
-        </p:nvSpPr>
-        <p:spPr/>
-        <p:txBody>
-          <a:bodyPr/>
-          <a:lstStyle/>
-          <a:p>
-            <a:r>
-              <a:rPr lang="en-US" dirty="0" smtClean="0"/>
-              <a:t>Debugging</a:t>
-            </a:r>
-          </a:p>
-          <a:p>
-            <a:r>
-              <a:rPr lang="en-US" dirty="0" smtClean="0"/>
-              <a:t>Deployment and </a:t>
-            </a:r>
-            <a:r>
-              <a:rPr lang="en-US" dirty="0" err="1" smtClean="0"/>
-              <a:t>devops</a:t>
-            </a:r>
-            <a:endParaRPr lang="en-US" dirty="0" smtClean="0"/>
-          </a:p>
-          <a:p>
-            <a:r>
-              <a:rPr lang="en-US" dirty="0" smtClean="0"/>
-              <a:t>Operations overhead</a:t>
-            </a:r>
-            <a:endParaRPr lang="en-US" dirty="0"/>
-          </a:p>
-          <a:p>
-            <a:r>
-              <a:rPr lang="en-US" dirty="0" smtClean="0"/>
-              <a:t>Implicit interfaces and contracts</a:t>
-            </a:r>
-          </a:p>
-          <a:p>
-            <a:r>
-              <a:rPr lang="en-US" dirty="0" smtClean="0"/>
-              <a:t>Latency</a:t>
-            </a:r>
-          </a:p>
-          <a:p>
-            <a:r>
-              <a:rPr lang="en-US" dirty="0" smtClean="0"/>
-              <a:t>Transactions</a:t>
-            </a:r>
-          </a:p>
-          <a:p>
-            <a:r>
-              <a:rPr lang="en-US" dirty="0" smtClean="0"/>
-              <a:t>Etc.!</a:t>
+      <p:pic>
+        <p:nvPicPr>
+          <p:cNvPr id="5" name="Picture 4"/>
+          <p:cNvPicPr>
+            <a:picLocks noChangeAspect="1"/>
+          </p:cNvPicPr>
+          <p:nvPr/>
+        </p:nvPicPr>
+        <p:blipFill>
+          <a:blip r:embed="rId2"/>
+          <a:stretch>
+            <a:fillRect/>
+          </a:stretch>
+        </p:blipFill>
+        <p:spPr>
+          <a:xfrm>
+            <a:off x="994536" y="1410991"/>
+            <a:ext cx="7383289" cy="4158026"/>
+          </a:xfrm>
+          <a:prstGeom prst="rect">
+            <a:avLst/>
+          </a:prstGeom>
+        </p:spPr>
+      </p:pic>
+      <p:sp>
+        <p:nvSpPr>
+          <p:cNvPr id="6" name="Rectangle 5"/>
+          <p:cNvSpPr/>
+          <p:nvPr/>
+        </p:nvSpPr>
+        <p:spPr>
+          <a:xfrm>
+            <a:off x="1582174" y="5722051"/>
+            <a:ext cx="5746796" cy="369332"/>
+          </a:xfrm>
+          <a:prstGeom prst="rect">
+            <a:avLst/>
+          </a:prstGeom>
+        </p:spPr>
+        <p:txBody>
+          <a:bodyPr wrap="square">
+            <a:spAutoFit/>
+          </a:bodyPr>
+          <a:lstStyle/>
+          <a:p>
+            <a:r>
+              <a:rPr lang="en-US" dirty="0">
+                <a:hlinkClick r:id="rId3"/>
+              </a:rPr>
+              <a:t>http://martinfowler.com/bliki/</a:t>
+            </a:r>
+            <a:r>
+              <a:rPr lang="en-US" dirty="0" smtClean="0">
+                <a:hlinkClick r:id="rId3"/>
+              </a:rPr>
+              <a:t>MonolithFirst.html</a:t>
+            </a:r>
+            <a:r>
+              <a:rPr lang="en-US" dirty="0" smtClean="0"/>
+              <a:t> </a:t>
             </a:r>
             <a:endParaRPr lang="en-US" dirty="0"/>
           </a:p>
@@ -4041,7 +4036,7 @@
     </p:spTree>
     <p:extLst>
       <p:ext uri="{BB962C8B-B14F-4D97-AF65-F5344CB8AC3E}">
-        <p14:creationId xmlns:p14="http://schemas.microsoft.com/office/powerpoint/2010/main" val="3805664123"/>
+        <p14:creationId xmlns:p14="http://schemas.microsoft.com/office/powerpoint/2010/main" val="901760246"/>
       </p:ext>
     </p:extLst>
   </p:cSld>
@@ -4080,67 +4075,191 @@
         </p:nvSpPr>
         <p:spPr/>
         <p:txBody>
-          <a:bodyPr/>
-          <a:lstStyle/>
-          <a:p>
-            <a:r>
-              <a:rPr lang="en-US" dirty="0" smtClean="0"/>
-              <a:t>Smart endpoints and dumb pipes</a:t>
+          <a:bodyPr>
+            <a:normAutofit fontScale="90000"/>
+          </a:bodyPr>
+          <a:lstStyle/>
+          <a:p>
+            <a:r>
+              <a:rPr lang="en-US" sz="3600" dirty="0" smtClean="0"/>
+              <a:t>What are services like in reality?</a:t>
+            </a:r>
+            <a:br>
+              <a:rPr lang="en-US" sz="3600" dirty="0" smtClean="0"/>
+            </a:br>
+            <a:endParaRPr lang="en-US" sz="3600" dirty="0"/>
+          </a:p>
+        </p:txBody>
+      </p:sp>
+      <p:sp>
+        <p:nvSpPr>
+          <p:cNvPr id="4" name="Rectangle 3"/>
+          <p:cNvSpPr/>
+          <p:nvPr/>
+        </p:nvSpPr>
+        <p:spPr>
+          <a:xfrm>
+            <a:off x="375635" y="5615756"/>
+            <a:ext cx="8311165" cy="646331"/>
+          </a:xfrm>
+          <a:prstGeom prst="rect">
+            <a:avLst/>
+          </a:prstGeom>
+        </p:spPr>
+        <p:txBody>
+          <a:bodyPr wrap="square">
+            <a:spAutoFit/>
+          </a:bodyPr>
+          <a:lstStyle/>
+          <a:p>
+            <a:r>
+              <a:rPr lang="en-US" dirty="0"/>
+              <a:t>All the Services Large and Micro</a:t>
+            </a:r>
+            <a:r>
+              <a:rPr lang="en-US" dirty="0" smtClean="0"/>
+              <a:t>: Revisiting </a:t>
+            </a:r>
+            <a:r>
+              <a:rPr lang="en-US" dirty="0"/>
+              <a:t>Industrial Practice in </a:t>
+            </a:r>
+            <a:r>
+              <a:rPr lang="en-US" dirty="0" smtClean="0"/>
+              <a:t>Services Computing</a:t>
             </a:r>
             <a:endParaRPr lang="en-US" dirty="0"/>
           </a:p>
-        </p:txBody>
-      </p:sp>
-      <p:sp>
-        <p:nvSpPr>
-          <p:cNvPr id="3" name="Content Placeholder 2"/>
-          <p:cNvSpPr>
-            <a:spLocks noGrp="1"/>
-          </p:cNvSpPr>
-          <p:nvPr>
-            <p:ph idx="1"/>
-          </p:nvPr>
-        </p:nvSpPr>
-        <p:spPr/>
-        <p:txBody>
-          <a:bodyPr/>
-          <a:lstStyle/>
-          <a:p>
+          <a:p>
+            <a:r>
+              <a:rPr lang="en-US" dirty="0" smtClean="0">
+                <a:hlinkClick r:id="rId2"/>
+              </a:rPr>
+              <a:t>https</a:t>
+            </a:r>
+            <a:r>
+              <a:rPr lang="en-US" dirty="0">
+                <a:hlinkClick r:id="rId2"/>
+              </a:rPr>
+              <a:t>://peerj.com/preprints/1291.</a:t>
+            </a:r>
+            <a:r>
+              <a:rPr lang="en-US" dirty="0" smtClean="0">
+                <a:hlinkClick r:id="rId2"/>
+              </a:rPr>
+              <a:t>pdf</a:t>
+            </a:r>
+            <a:r>
+              <a:rPr lang="en-US" dirty="0" smtClean="0"/>
+              <a:t> </a:t>
+            </a:r>
+            <a:endParaRPr lang="en-US" dirty="0"/>
+          </a:p>
+        </p:txBody>
+      </p:sp>
+      <p:pic>
+        <p:nvPicPr>
+          <p:cNvPr id="5" name="Picture 4"/>
+          <p:cNvPicPr>
+            <a:picLocks noChangeAspect="1"/>
+          </p:cNvPicPr>
+          <p:nvPr/>
+        </p:nvPicPr>
+        <p:blipFill>
+          <a:blip r:embed="rId3"/>
+          <a:stretch>
+            <a:fillRect/>
+          </a:stretch>
+        </p:blipFill>
+        <p:spPr>
+          <a:xfrm>
+            <a:off x="5137889" y="3710756"/>
+            <a:ext cx="3733800" cy="1905000"/>
+          </a:xfrm>
+          <a:prstGeom prst="rect">
+            <a:avLst/>
+          </a:prstGeom>
+        </p:spPr>
+      </p:pic>
+      <p:pic>
+        <p:nvPicPr>
+          <p:cNvPr id="6" name="Picture 5"/>
+          <p:cNvPicPr>
+            <a:picLocks noChangeAspect="1"/>
+          </p:cNvPicPr>
+          <p:nvPr/>
+        </p:nvPicPr>
+        <p:blipFill>
+          <a:blip r:embed="rId4"/>
+          <a:stretch>
+            <a:fillRect/>
+          </a:stretch>
+        </p:blipFill>
+        <p:spPr>
+          <a:xfrm>
+            <a:off x="0" y="1108830"/>
+            <a:ext cx="6388100" cy="2730500"/>
+          </a:xfrm>
+          <a:prstGeom prst="rect">
+            <a:avLst/>
+          </a:prstGeom>
+        </p:spPr>
+      </p:pic>
+      <p:sp>
+        <p:nvSpPr>
+          <p:cNvPr id="7" name="TextBox 6"/>
+          <p:cNvSpPr txBox="1"/>
+          <p:nvPr/>
+        </p:nvSpPr>
+        <p:spPr>
+          <a:xfrm>
+            <a:off x="457199" y="4161463"/>
+            <a:ext cx="4821495" cy="1200329"/>
+          </a:xfrm>
+          <a:prstGeom prst="rect">
+            <a:avLst/>
+          </a:prstGeom>
+          <a:noFill/>
+        </p:spPr>
+        <p:txBody>
+          <a:bodyPr wrap="square" rtlCol="0">
+            <a:spAutoFit/>
+          </a:bodyPr>
+          <a:lstStyle/>
+          <a:p>
+            <a:r>
+              <a:rPr lang="en-US" dirty="0" smtClean="0"/>
+              <a:t>Most services (51%) were 1,000-10,000 </a:t>
+            </a:r>
             <a:r>
               <a:rPr lang="en-US" dirty="0" err="1" smtClean="0"/>
-              <a:t>Microservices</a:t>
-            </a:r>
-            <a:r>
-              <a:rPr lang="en-US" dirty="0" smtClean="0"/>
-              <a:t> are based on the idea of simple </a:t>
+              <a:t>LoC</a:t>
+            </a:r>
+            <a:endParaRPr lang="en-US" dirty="0" smtClean="0"/>
+          </a:p>
+          <a:p>
+            <a:r>
+              <a:rPr lang="en-US" dirty="0" smtClean="0"/>
+              <a:t>Only 3% of services in the survey were &lt;100 </a:t>
             </a:r>
             <a:r>
               <a:rPr lang="en-US" dirty="0" err="1" smtClean="0"/>
-              <a:t>RESTful</a:t>
-            </a:r>
-            <a:r>
-              <a:rPr lang="en-US" dirty="0" smtClean="0"/>
-              <a:t> APIs directly implemented</a:t>
-            </a:r>
-          </a:p>
-          <a:p>
-            <a:r>
-              <a:rPr lang="en-US" dirty="0" smtClean="0"/>
-              <a:t>Need to manage contracts cleanly and carefully</a:t>
-            </a:r>
-          </a:p>
-          <a:p>
-            <a:r>
-              <a:rPr lang="en-US" dirty="0" smtClean="0"/>
-              <a:t>ESB is not part of this architecture</a:t>
-            </a:r>
-          </a:p>
-          <a:p>
-            <a:pPr lvl="1"/>
-            <a:r>
-              <a:rPr lang="en-US" dirty="0" smtClean="0"/>
-              <a:t>But an API Gateway might be?</a:t>
-            </a:r>
+              <a:t>LoC</a:t>
+            </a:r>
+            <a:endParaRPr lang="en-US" dirty="0" smtClean="0"/>
+          </a:p>
+          <a:p>
+            <a:r>
+              <a:rPr lang="en-US" dirty="0" smtClean="0"/>
+              <a:t>43% 100-1,000 </a:t>
+            </a:r>
+            <a:r>
+              <a:rPr lang="en-US" dirty="0" err="1" smtClean="0"/>
+              <a:t>LoC</a:t>
+            </a:r>
+            <a:endParaRPr lang="en-US" dirty="0" smtClean="0"/>
+          </a:p>
+          <a:p>
             <a:endParaRPr lang="en-US" dirty="0"/>
           </a:p>
         </p:txBody>
@@ -4148,7 +4267,7 @@
     </p:spTree>
     <p:extLst>
       <p:ext uri="{BB962C8B-B14F-4D97-AF65-F5344CB8AC3E}">
-        <p14:creationId xmlns:p14="http://schemas.microsoft.com/office/powerpoint/2010/main" val="1766806561"/>
+        <p14:creationId xmlns:p14="http://schemas.microsoft.com/office/powerpoint/2010/main" val="3424763566"/>
       </p:ext>
     </p:extLst>
   </p:cSld>
@@ -4192,6 +4311,231 @@
           <a:p>
             <a:r>
               <a:rPr lang="en-US" dirty="0" smtClean="0"/>
+              <a:t>Cons!</a:t>
+            </a:r>
+            <a:endParaRPr lang="en-US" dirty="0"/>
+          </a:p>
+        </p:txBody>
+      </p:sp>
+      <p:sp>
+        <p:nvSpPr>
+          <p:cNvPr id="3" name="Content Placeholder 2"/>
+          <p:cNvSpPr>
+            <a:spLocks noGrp="1"/>
+          </p:cNvSpPr>
+          <p:nvPr>
+            <p:ph idx="1"/>
+          </p:nvPr>
+        </p:nvSpPr>
+        <p:spPr/>
+        <p:txBody>
+          <a:bodyPr/>
+          <a:lstStyle/>
+          <a:p>
+            <a:r>
+              <a:rPr lang="en-US" dirty="0" smtClean="0"/>
+              <a:t>Debugging</a:t>
+            </a:r>
+          </a:p>
+          <a:p>
+            <a:r>
+              <a:rPr lang="en-US" dirty="0" smtClean="0"/>
+              <a:t>Deployment and </a:t>
+            </a:r>
+            <a:r>
+              <a:rPr lang="en-US" dirty="0" err="1" smtClean="0"/>
+              <a:t>devops</a:t>
+            </a:r>
+            <a:endParaRPr lang="en-US" dirty="0" smtClean="0"/>
+          </a:p>
+          <a:p>
+            <a:r>
+              <a:rPr lang="en-US" dirty="0" smtClean="0"/>
+              <a:t>Operations overhead</a:t>
+            </a:r>
+            <a:endParaRPr lang="en-US" dirty="0"/>
+          </a:p>
+          <a:p>
+            <a:r>
+              <a:rPr lang="en-US" dirty="0" smtClean="0"/>
+              <a:t>Implicit interfaces and contracts</a:t>
+            </a:r>
+          </a:p>
+          <a:p>
+            <a:r>
+              <a:rPr lang="en-US" dirty="0" smtClean="0"/>
+              <a:t>Latency</a:t>
+            </a:r>
+          </a:p>
+          <a:p>
+            <a:r>
+              <a:rPr lang="en-US" dirty="0" smtClean="0"/>
+              <a:t>Transactions</a:t>
+            </a:r>
+          </a:p>
+          <a:p>
+            <a:r>
+              <a:rPr lang="en-US" dirty="0" smtClean="0"/>
+              <a:t>Etc.!</a:t>
+            </a:r>
+            <a:endParaRPr lang="en-US" dirty="0"/>
+          </a:p>
+        </p:txBody>
+      </p:sp>
+    </p:spTree>
+    <p:extLst>
+      <p:ext uri="{BB962C8B-B14F-4D97-AF65-F5344CB8AC3E}">
+        <p14:creationId xmlns:p14="http://schemas.microsoft.com/office/powerpoint/2010/main" val="3805664123"/>
+      </p:ext>
+    </p:extLst>
+  </p:cSld>
+  <p:clrMapOvr>
+    <a:masterClrMapping/>
+  </p:clrMapOvr>
+</p:sld>
+</file>
+
+<file path=ppt/slides/slide13.xml><?xml version="1.0" encoding="utf-8"?>
+<p:sld xmlns:a="http://schemas.openxmlformats.org/drawingml/2006/main" xmlns:r="http://schemas.openxmlformats.org/officeDocument/2006/relationships" xmlns:p="http://schemas.openxmlformats.org/presentationml/2006/main">
+  <p:cSld>
+    <p:spTree>
+      <p:nvGrpSpPr>
+        <p:cNvPr id="1" name=""/>
+        <p:cNvGrpSpPr/>
+        <p:nvPr/>
+      </p:nvGrpSpPr>
+      <p:grpSpPr>
+        <a:xfrm>
+          <a:off x="0" y="0"/>
+          <a:ext cx="0" cy="0"/>
+          <a:chOff x="0" y="0"/>
+          <a:chExt cx="0" cy="0"/>
+        </a:xfrm>
+      </p:grpSpPr>
+      <p:sp>
+        <p:nvSpPr>
+          <p:cNvPr id="2" name="Title 1"/>
+          <p:cNvSpPr>
+            <a:spLocks noGrp="1"/>
+          </p:cNvSpPr>
+          <p:nvPr>
+            <p:ph type="title"/>
+          </p:nvPr>
+        </p:nvSpPr>
+        <p:spPr/>
+        <p:txBody>
+          <a:bodyPr/>
+          <a:lstStyle/>
+          <a:p>
+            <a:r>
+              <a:rPr lang="en-US" dirty="0" smtClean="0"/>
+              <a:t>Smart endpoints and dumb pipes</a:t>
+            </a:r>
+            <a:endParaRPr lang="en-US" dirty="0"/>
+          </a:p>
+        </p:txBody>
+      </p:sp>
+      <p:sp>
+        <p:nvSpPr>
+          <p:cNvPr id="3" name="Content Placeholder 2"/>
+          <p:cNvSpPr>
+            <a:spLocks noGrp="1"/>
+          </p:cNvSpPr>
+          <p:nvPr>
+            <p:ph idx="1"/>
+          </p:nvPr>
+        </p:nvSpPr>
+        <p:spPr/>
+        <p:txBody>
+          <a:bodyPr/>
+          <a:lstStyle/>
+          <a:p>
+            <a:r>
+              <a:rPr lang="en-US" dirty="0" err="1" smtClean="0"/>
+              <a:t>Microservices</a:t>
+            </a:r>
+            <a:r>
+              <a:rPr lang="en-US" dirty="0" smtClean="0"/>
+              <a:t> are based on the idea of simple </a:t>
+            </a:r>
+            <a:r>
+              <a:rPr lang="en-US" dirty="0" err="1" smtClean="0"/>
+              <a:t>RESTful</a:t>
+            </a:r>
+            <a:r>
+              <a:rPr lang="en-US" dirty="0" smtClean="0"/>
+              <a:t> APIs directly implemented</a:t>
+            </a:r>
+          </a:p>
+          <a:p>
+            <a:r>
+              <a:rPr lang="en-US" dirty="0" smtClean="0"/>
+              <a:t>Need to manage contracts cleanly and carefully</a:t>
+            </a:r>
+          </a:p>
+          <a:p>
+            <a:r>
+              <a:rPr lang="en-US" dirty="0" smtClean="0"/>
+              <a:t>ESB is not part of this architecture</a:t>
+            </a:r>
+          </a:p>
+          <a:p>
+            <a:pPr lvl="1"/>
+            <a:r>
+              <a:rPr lang="en-US" dirty="0" smtClean="0"/>
+              <a:t>But an API Gateway might be?</a:t>
+            </a:r>
+            <a:endParaRPr lang="en-US" dirty="0"/>
+          </a:p>
+        </p:txBody>
+      </p:sp>
+    </p:spTree>
+    <p:extLst>
+      <p:ext uri="{BB962C8B-B14F-4D97-AF65-F5344CB8AC3E}">
+        <p14:creationId xmlns:p14="http://schemas.microsoft.com/office/powerpoint/2010/main" val="1766806561"/>
+      </p:ext>
+    </p:extLst>
+  </p:cSld>
+  <p:clrMapOvr>
+    <a:masterClrMapping/>
+  </p:clrMapOvr>
+</p:sld>
+</file>
+
+<file path=ppt/slides/slide14.xml><?xml version="1.0" encoding="utf-8"?>
+<p:sld xmlns:a="http://schemas.openxmlformats.org/drawingml/2006/main" xmlns:r="http://schemas.openxmlformats.org/officeDocument/2006/relationships" xmlns:p="http://schemas.openxmlformats.org/presentationml/2006/main">
+  <p:cSld>
+    <p:spTree>
+      <p:nvGrpSpPr>
+        <p:cNvPr id="1" name=""/>
+        <p:cNvGrpSpPr/>
+        <p:nvPr/>
+      </p:nvGrpSpPr>
+      <p:grpSpPr>
+        <a:xfrm>
+          <a:off x="0" y="0"/>
+          <a:ext cx="0" cy="0"/>
+          <a:chOff x="0" y="0"/>
+          <a:chExt cx="0" cy="0"/>
+        </a:xfrm>
+      </p:grpSpPr>
+      <p:sp>
+        <p:nvSpPr>
+          <p:cNvPr id="2" name="Title 1"/>
+          <p:cNvSpPr>
+            <a:spLocks noGrp="1"/>
+          </p:cNvSpPr>
+          <p:nvPr>
+            <p:ph type="title"/>
+          </p:nvPr>
+        </p:nvSpPr>
+        <p:spPr/>
+        <p:txBody>
+          <a:bodyPr/>
+          <a:lstStyle/>
+          <a:p>
+            <a:r>
+              <a:rPr lang="en-US" dirty="0" smtClean="0"/>
               <a:t>API Gateway and </a:t>
             </a:r>
             <a:r>
@@ -4261,7 +4605,7 @@
 </p:sld>
 </file>
 
-<file path=ppt/slides/slide13.xml><?xml version="1.0" encoding="utf-8"?>
+<file path=ppt/slides/slide15.xml><?xml version="1.0" encoding="utf-8"?>
 <p:sld xmlns:a="http://schemas.openxmlformats.org/drawingml/2006/main" xmlns:r="http://schemas.openxmlformats.org/officeDocument/2006/relationships" xmlns:p="http://schemas.openxmlformats.org/presentationml/2006/main">
   <p:cSld>
     <p:spTree>
@@ -4573,14 +4917,11 @@
               <a:rPr lang="en-US" dirty="0" smtClean="0"/>
               <a:t>Usually HTTP </a:t>
             </a:r>
-          </a:p>
-          <a:p>
-            <a:pPr lvl="2"/>
-            <a:r>
-              <a:rPr lang="en-US" dirty="0" smtClean="0"/>
-              <a:t>But MQTT is a nice option</a:t>
-            </a:r>
-            <a:endParaRPr lang="en-US" dirty="0"/>
+            <a:r>
+              <a:rPr lang="en-US" dirty="0" smtClean="0"/>
+              <a:t>but not necessarily</a:t>
+            </a:r>
+            <a:endParaRPr lang="en-US" dirty="0" smtClean="0"/>
           </a:p>
         </p:txBody>
       </p:sp>
